--- a/docs/diagrams/UndoRedoStartingStateListDiagram.pptx
+++ b/docs/diagrams/UndoRedoStartingStateListDiagram.pptx
@@ -245,7 +245,7 @@
           <a:p>
             <a:fld id="{8B2F8DF3-7CFE-4C7E-A62E-FD00A81FB0CD}" type="datetimeFigureOut">
               <a:rPr lang="en-US" smtClean="0"/>
-              <a:t>7/6/2018</a:t>
+              <a:t>10/22/18</a:t>
             </a:fld>
             <a:endParaRPr lang="en-US"/>
           </a:p>
@@ -413,7 +413,7 @@
           <a:p>
             <a:fld id="{8B2F8DF3-7CFE-4C7E-A62E-FD00A81FB0CD}" type="datetimeFigureOut">
               <a:rPr lang="en-US" smtClean="0"/>
-              <a:t>7/6/2018</a:t>
+              <a:t>10/22/18</a:t>
             </a:fld>
             <a:endParaRPr lang="en-US"/>
           </a:p>
@@ -591,7 +591,7 @@
           <a:p>
             <a:fld id="{8B2F8DF3-7CFE-4C7E-A62E-FD00A81FB0CD}" type="datetimeFigureOut">
               <a:rPr lang="en-US" smtClean="0"/>
-              <a:t>7/6/2018</a:t>
+              <a:t>10/22/18</a:t>
             </a:fld>
             <a:endParaRPr lang="en-US"/>
           </a:p>
@@ -759,7 +759,7 @@
           <a:p>
             <a:fld id="{8B2F8DF3-7CFE-4C7E-A62E-FD00A81FB0CD}" type="datetimeFigureOut">
               <a:rPr lang="en-US" smtClean="0"/>
-              <a:t>7/6/2018</a:t>
+              <a:t>10/22/18</a:t>
             </a:fld>
             <a:endParaRPr lang="en-US"/>
           </a:p>
@@ -1004,7 +1004,7 @@
           <a:p>
             <a:fld id="{8B2F8DF3-7CFE-4C7E-A62E-FD00A81FB0CD}" type="datetimeFigureOut">
               <a:rPr lang="en-US" smtClean="0"/>
-              <a:t>7/6/2018</a:t>
+              <a:t>10/22/18</a:t>
             </a:fld>
             <a:endParaRPr lang="en-US"/>
           </a:p>
@@ -1233,7 +1233,7 @@
           <a:p>
             <a:fld id="{8B2F8DF3-7CFE-4C7E-A62E-FD00A81FB0CD}" type="datetimeFigureOut">
               <a:rPr lang="en-US" smtClean="0"/>
-              <a:t>7/6/2018</a:t>
+              <a:t>10/22/18</a:t>
             </a:fld>
             <a:endParaRPr lang="en-US"/>
           </a:p>
@@ -1597,7 +1597,7 @@
           <a:p>
             <a:fld id="{8B2F8DF3-7CFE-4C7E-A62E-FD00A81FB0CD}" type="datetimeFigureOut">
               <a:rPr lang="en-US" smtClean="0"/>
-              <a:t>7/6/2018</a:t>
+              <a:t>10/22/18</a:t>
             </a:fld>
             <a:endParaRPr lang="en-US"/>
           </a:p>
@@ -1714,7 +1714,7 @@
           <a:p>
             <a:fld id="{8B2F8DF3-7CFE-4C7E-A62E-FD00A81FB0CD}" type="datetimeFigureOut">
               <a:rPr lang="en-US" smtClean="0"/>
-              <a:t>7/6/2018</a:t>
+              <a:t>10/22/18</a:t>
             </a:fld>
             <a:endParaRPr lang="en-US"/>
           </a:p>
@@ -1809,7 +1809,7 @@
           <a:p>
             <a:fld id="{8B2F8DF3-7CFE-4C7E-A62E-FD00A81FB0CD}" type="datetimeFigureOut">
               <a:rPr lang="en-US" smtClean="0"/>
-              <a:t>7/6/2018</a:t>
+              <a:t>10/22/18</a:t>
             </a:fld>
             <a:endParaRPr lang="en-US"/>
           </a:p>
@@ -2084,7 +2084,7 @@
           <a:p>
             <a:fld id="{8B2F8DF3-7CFE-4C7E-A62E-FD00A81FB0CD}" type="datetimeFigureOut">
               <a:rPr lang="en-US" smtClean="0"/>
-              <a:t>7/6/2018</a:t>
+              <a:t>10/22/18</a:t>
             </a:fld>
             <a:endParaRPr lang="en-US"/>
           </a:p>
@@ -2336,7 +2336,7 @@
           <a:p>
             <a:fld id="{8B2F8DF3-7CFE-4C7E-A62E-FD00A81FB0CD}" type="datetimeFigureOut">
               <a:rPr lang="en-US" smtClean="0"/>
-              <a:t>7/6/2018</a:t>
+              <a:t>10/22/18</a:t>
             </a:fld>
             <a:endParaRPr lang="en-US"/>
           </a:p>
@@ -2547,7 +2547,7 @@
           <a:p>
             <a:fld id="{8B2F8DF3-7CFE-4C7E-A62E-FD00A81FB0CD}" type="datetimeFigureOut">
               <a:rPr lang="en-US" smtClean="0"/>
-              <a:t>7/6/2018</a:t>
+              <a:t>10/22/18</a:t>
             </a:fld>
             <a:endParaRPr lang="en-US"/>
           </a:p>
@@ -2957,7 +2957,7 @@
           <p:cNvPr id="4" name="TextBox 3">
             <a:extLst>
               <a:ext uri="{FF2B5EF4-FFF2-40B4-BE49-F238E27FC236}">
-                <a16:creationId xmlns:a16="http://schemas.microsoft.com/office/drawing/2014/main" id="{3151A13B-9509-43FA-BFEB-1D9866A00B84}"/>
+                <a16:creationId xmlns:a16="http://schemas.microsoft.com/office/drawing/2014/main" xmlns="" id="{3151A13B-9509-43FA-BFEB-1D9866A00B84}"/>
               </a:ext>
             </a:extLst>
           </p:cNvPr>
@@ -3001,7 +3001,7 @@
           <p:cNvPr id="5" name="Table 4">
             <a:extLst>
               <a:ext uri="{FF2B5EF4-FFF2-40B4-BE49-F238E27FC236}">
-                <a16:creationId xmlns:a16="http://schemas.microsoft.com/office/drawing/2014/main" id="{F545FAB8-F1CE-4886-9BDE-E772BCB0A9C4}"/>
+                <a16:creationId xmlns:a16="http://schemas.microsoft.com/office/drawing/2014/main" xmlns="" id="{F545FAB8-F1CE-4886-9BDE-E772BCB0A9C4}"/>
               </a:ext>
             </a:extLst>
           </p:cNvPr>
@@ -3011,7 +3011,7 @@
           <p:nvPr>
             <p:extLst>
               <p:ext uri="{D42A27DB-BD31-4B8C-83A1-F6EECF244321}">
-                <p14:modId xmlns:p14="http://schemas.microsoft.com/office/powerpoint/2010/main" val="1292556626"/>
+                <p14:modId xmlns:p14="http://schemas.microsoft.com/office/powerpoint/2010/main" val="823776004"/>
               </p:ext>
             </p:extLst>
           </p:nvPr>
@@ -3030,7 +3030,7 @@
                 <a:gridCol w="1833356">
                   <a:extLst>
                     <a:ext uri="{9D8B030D-6E8A-4147-A177-3AD203B41FA5}">
-                      <a16:colId xmlns:a16="http://schemas.microsoft.com/office/drawing/2014/main" val="4240773277"/>
+                      <a16:colId xmlns:a16="http://schemas.microsoft.com/office/drawing/2014/main" xmlns="" val="4240773277"/>
                     </a:ext>
                   </a:extLst>
                 </a:gridCol>
@@ -3042,12 +3042,12 @@
                     <a:lstStyle/>
                     <a:p>
                       <a:r>
-                        <a:rPr lang="en-SG" u="sng" dirty="0"/>
-                        <a:t>ab0:</a:t>
+                        <a:rPr lang="en-SG" u="sng" dirty="0" smtClean="0"/>
+                        <a:t>ob0:</a:t>
                       </a:r>
                       <a:r>
-                        <a:rPr lang="en-SG" sz="1800" u="sng" dirty="0"/>
-                        <a:t>AddressBook</a:t>
+                        <a:rPr lang="en-SG" sz="1800" u="sng" dirty="0" smtClean="0"/>
+                        <a:t>OrderBook</a:t>
                       </a:r>
                       <a:endParaRPr lang="en-SG" sz="1600" u="sng" dirty="0"/>
                     </a:p>
@@ -3056,7 +3056,7 @@
                 </a:tc>
                 <a:extLst>
                   <a:ext uri="{0D108BD9-81ED-4DB2-BD59-A6C34878D82A}">
-                    <a16:rowId xmlns:a16="http://schemas.microsoft.com/office/drawing/2014/main" val="2194462629"/>
+                    <a16:rowId xmlns:a16="http://schemas.microsoft.com/office/drawing/2014/main" xmlns="" val="2194462629"/>
                   </a:ext>
                 </a:extLst>
               </a:tr>
@@ -3115,7 +3115,7 @@
           <p:cNvPr id="3" name="Straight Arrow Connector 2">
             <a:extLst>
               <a:ext uri="{FF2B5EF4-FFF2-40B4-BE49-F238E27FC236}">
-                <a16:creationId xmlns:a16="http://schemas.microsoft.com/office/drawing/2014/main" id="{19F1196F-B136-4E44-A8A5-68CAEED3CD2E}"/>
+                <a16:creationId xmlns:a16="http://schemas.microsoft.com/office/drawing/2014/main" xmlns="" id="{19F1196F-B136-4E44-A8A5-68CAEED3CD2E}"/>
               </a:ext>
             </a:extLst>
           </p:cNvPr>
